--- a/src/ppt10_ar.pptx
+++ b/src/ppt10_ar.pptx
@@ -218,7 +218,7 @@
             <a:fld id="{288C3450-B1F7-4D70-BBD4-DE10EE2FA08A}" type="datetimeFigureOut">
               <a:rPr lang="he-IL" smtClean="0"/>
               <a:pPr/>
-              <a:t>י"ח/אדר/תשע"ח</a:t>
+              <a:t>כ"ג/אייר/תשע"ח</a:t>
             </a:fld>
             <a:endParaRPr lang="he-IL"/>
           </a:p>
@@ -1657,7 +1657,7 @@
             <a:fld id="{48A87A34-81AB-432B-8DAE-1953F412C126}" type="datetimeFigureOut">
               <a:rPr lang="en-US" smtClean="0"/>
               <a:pPr/>
-              <a:t>3/5/2018</a:t>
+              <a:t>5/8/2018</a:t>
             </a:fld>
             <a:endParaRPr lang="en-US" dirty="0"/>
           </a:p>
@@ -1910,7 +1910,7 @@
             <a:fld id="{48A87A34-81AB-432B-8DAE-1953F412C126}" type="datetimeFigureOut">
               <a:rPr lang="en-US" smtClean="0"/>
               <a:pPr/>
-              <a:t>3/5/2018</a:t>
+              <a:t>5/8/2018</a:t>
             </a:fld>
             <a:endParaRPr lang="en-US" dirty="0"/>
           </a:p>
@@ -2226,7 +2226,7 @@
             <a:fld id="{48A87A34-81AB-432B-8DAE-1953F412C126}" type="datetimeFigureOut">
               <a:rPr lang="en-US" smtClean="0"/>
               <a:pPr/>
-              <a:t>3/5/2018</a:t>
+              <a:t>5/8/2018</a:t>
             </a:fld>
             <a:endParaRPr lang="en-US" dirty="0"/>
           </a:p>
@@ -2569,7 +2569,7 @@
             <a:fld id="{48A87A34-81AB-432B-8DAE-1953F412C126}" type="datetimeFigureOut">
               <a:rPr lang="en-US" smtClean="0"/>
               <a:pPr/>
-              <a:t>3/5/2018</a:t>
+              <a:t>5/8/2018</a:t>
             </a:fld>
             <a:endParaRPr lang="en-US" dirty="0"/>
           </a:p>
@@ -2885,7 +2885,7 @@
             <a:fld id="{48A87A34-81AB-432B-8DAE-1953F412C126}" type="datetimeFigureOut">
               <a:rPr lang="en-US" smtClean="0"/>
               <a:pPr/>
-              <a:t>3/5/2018</a:t>
+              <a:t>5/8/2018</a:t>
             </a:fld>
             <a:endParaRPr lang="en-US" dirty="0"/>
           </a:p>
@@ -3280,7 +3280,7 @@
             <a:fld id="{48A87A34-81AB-432B-8DAE-1953F412C126}" type="datetimeFigureOut">
               <a:rPr lang="en-US" smtClean="0"/>
               <a:pPr/>
-              <a:t>3/5/2018</a:t>
+              <a:t>5/8/2018</a:t>
             </a:fld>
             <a:endParaRPr lang="en-US" dirty="0"/>
           </a:p>
@@ -3452,7 +3452,7 @@
             <a:fld id="{48A87A34-81AB-432B-8DAE-1953F412C126}" type="datetimeFigureOut">
               <a:rPr lang="en-US" smtClean="0"/>
               <a:pPr/>
-              <a:t>3/5/2018</a:t>
+              <a:t>5/8/2018</a:t>
             </a:fld>
             <a:endParaRPr lang="en-US" dirty="0"/>
           </a:p>
@@ -3634,7 +3634,7 @@
             <a:fld id="{48A87A34-81AB-432B-8DAE-1953F412C126}" type="datetimeFigureOut">
               <a:rPr lang="en-US" smtClean="0"/>
               <a:pPr/>
-              <a:t>3/5/2018</a:t>
+              <a:t>5/8/2018</a:t>
             </a:fld>
             <a:endParaRPr lang="en-US" dirty="0"/>
           </a:p>
@@ -3812,7 +3812,7 @@
             <a:fld id="{48A87A34-81AB-432B-8DAE-1953F412C126}" type="datetimeFigureOut">
               <a:rPr lang="en-US" smtClean="0"/>
               <a:pPr/>
-              <a:t>3/5/2018</a:t>
+              <a:t>5/8/2018</a:t>
             </a:fld>
             <a:endParaRPr lang="en-US" dirty="0"/>
           </a:p>
@@ -4061,7 +4061,7 @@
             <a:fld id="{48A87A34-81AB-432B-8DAE-1953F412C126}" type="datetimeFigureOut">
               <a:rPr lang="en-US" smtClean="0"/>
               <a:pPr/>
-              <a:t>3/5/2018</a:t>
+              <a:t>5/8/2018</a:t>
             </a:fld>
             <a:endParaRPr lang="en-US" dirty="0"/>
           </a:p>
@@ -4295,7 +4295,7 @@
             <a:fld id="{48A87A34-81AB-432B-8DAE-1953F412C126}" type="datetimeFigureOut">
               <a:rPr lang="en-US" smtClean="0"/>
               <a:pPr/>
-              <a:t>3/5/2018</a:t>
+              <a:t>5/8/2018</a:t>
             </a:fld>
             <a:endParaRPr lang="en-US" dirty="0"/>
           </a:p>
@@ -4671,7 +4671,7 @@
             <a:fld id="{48A87A34-81AB-432B-8DAE-1953F412C126}" type="datetimeFigureOut">
               <a:rPr lang="en-US" smtClean="0"/>
               <a:pPr/>
-              <a:t>3/5/2018</a:t>
+              <a:t>5/8/2018</a:t>
             </a:fld>
             <a:endParaRPr lang="en-US" dirty="0"/>
           </a:p>
@@ -4796,7 +4796,7 @@
             <a:fld id="{48A87A34-81AB-432B-8DAE-1953F412C126}" type="datetimeFigureOut">
               <a:rPr lang="en-US" smtClean="0"/>
               <a:pPr/>
-              <a:t>3/5/2018</a:t>
+              <a:t>5/8/2018</a:t>
             </a:fld>
             <a:endParaRPr lang="en-US" dirty="0"/>
           </a:p>
@@ -4893,7 +4893,7 @@
             <a:fld id="{48A87A34-81AB-432B-8DAE-1953F412C126}" type="datetimeFigureOut">
               <a:rPr lang="en-US" smtClean="0"/>
               <a:pPr/>
-              <a:t>3/5/2018</a:t>
+              <a:t>5/8/2018</a:t>
             </a:fld>
             <a:endParaRPr lang="en-US" dirty="0"/>
           </a:p>
@@ -5150,7 +5150,7 @@
             <a:fld id="{48A87A34-81AB-432B-8DAE-1953F412C126}" type="datetimeFigureOut">
               <a:rPr lang="en-US" smtClean="0"/>
               <a:pPr/>
-              <a:t>3/5/2018</a:t>
+              <a:t>5/8/2018</a:t>
             </a:fld>
             <a:endParaRPr lang="en-US" dirty="0"/>
           </a:p>
@@ -5415,7 +5415,7 @@
             <a:fld id="{48A87A34-81AB-432B-8DAE-1953F412C126}" type="datetimeFigureOut">
               <a:rPr lang="en-US" smtClean="0"/>
               <a:pPr/>
-              <a:t>3/5/2018</a:t>
+              <a:t>5/8/2018</a:t>
             </a:fld>
             <a:endParaRPr lang="en-US" dirty="0"/>
           </a:p>
@@ -6160,7 +6160,7 @@
             <a:fld id="{48A87A34-81AB-432B-8DAE-1953F412C126}" type="datetimeFigureOut">
               <a:rPr lang="en-US" smtClean="0"/>
               <a:pPr/>
-              <a:t>3/5/2018</a:t>
+              <a:t>5/8/2018</a:t>
             </a:fld>
             <a:endParaRPr lang="en-US" dirty="0"/>
           </a:p>
@@ -8089,8 +8089,8 @@
             </a:r>
             <a:r>
               <a:rPr lang="en-US" sz="3600" dirty="0" smtClean="0">
-                <a:latin typeface="Arial" pitchFamily="34" charset="0"/>
-                <a:cs typeface="Arial" pitchFamily="34" charset="0"/>
+                <a:latin typeface="Ara Hamah Alislam" panose="00000500000000000000" pitchFamily="2" charset="-78"/>
+                <a:cs typeface="Ara Hamah Alislam" panose="00000500000000000000" pitchFamily="2" charset="-78"/>
               </a:rPr>
               <a:t>FTSCRACHTXT</a:t>
             </a:r>
@@ -8114,66 +8114,70 @@
               <a:t> </a:t>
             </a:r>
             <a:r>
+              <a:rPr lang="ar-EG" sz="3600" smtClean="0">
+                <a:latin typeface="Ara Hamah Alislam" panose="00000500000000000000" pitchFamily="2" charset="-78"/>
+                <a:cs typeface="Ara Hamah Alislam" panose="00000500000000000000" pitchFamily="2" charset="-78"/>
+              </a:rPr>
+              <a:t>الارتباط بواسطة  </a:t>
+            </a:r>
+            <a:r>
+              <a:rPr lang="he-IL" sz="3600" dirty="0" smtClean="0"/>
+              <a:t>(</a:t>
+            </a:r>
+            <a:r>
+              <a:rPr lang="en-US" sz="3600" dirty="0"/>
+              <a:t>USB/BT/</a:t>
+            </a:r>
+            <a:r>
+              <a:rPr lang="en-US" sz="3600" dirty="0" err="1"/>
+              <a:t>WiFi</a:t>
+            </a:r>
+            <a:r>
+              <a:rPr lang="he-IL" sz="3600" dirty="0"/>
+              <a:t>)</a:t>
+            </a:r>
+          </a:p>
+          <a:p>
+            <a:r>
               <a:rPr lang="ar-EG" sz="3600" dirty="0" smtClean="0">
                 <a:latin typeface="Ara Hamah Alislam" panose="00000500000000000000" pitchFamily="2" charset="-78"/>
                 <a:cs typeface="Ara Hamah Alislam" panose="00000500000000000000" pitchFamily="2" charset="-78"/>
               </a:rPr>
-              <a:t>الارتباط بواسطة </a:t>
-            </a:r>
-            <a:r>
-              <a:rPr lang="en-US" sz="3600" dirty="0" smtClean="0">
+              <a:t> الدخول الى موقع </a:t>
+            </a:r>
+            <a:r>
+              <a:rPr lang="en-US" sz="3600" dirty="0" err="1" smtClean="0">
                 <a:latin typeface="Ara Hamah Alislam" panose="00000500000000000000" pitchFamily="2" charset="-78"/>
                 <a:cs typeface="Ara Hamah Alislam" panose="00000500000000000000" pitchFamily="2" charset="-78"/>
               </a:rPr>
-              <a:t>USB</a:t>
+              <a:t>ScratchX</a:t>
             </a:r>
             <a:r>
               <a:rPr lang="he-IL" sz="3600" dirty="0" smtClean="0">
                 <a:latin typeface="Ara Hamah Alislam" panose="00000500000000000000" pitchFamily="2" charset="-78"/>
               </a:rPr>
-              <a:t> (</a:t>
+              <a:t> </a:t>
             </a:r>
             <a:r>
               <a:rPr lang="ar-EG" sz="3600" dirty="0" smtClean="0">
                 <a:latin typeface="Ara Hamah Alislam" panose="00000500000000000000" pitchFamily="2" charset="-78"/>
                 <a:cs typeface="Ara Hamah Alislam" panose="00000500000000000000" pitchFamily="2" charset="-78"/>
               </a:rPr>
-              <a:t>الاولى</a:t>
-            </a:r>
-            <a:r>
-              <a:rPr lang="he-IL" sz="3600" dirty="0" smtClean="0">
-                <a:latin typeface="Ara Hamah Alislam" panose="00000500000000000000" pitchFamily="2" charset="-78"/>
-              </a:rPr>
-              <a:t>)</a:t>
-            </a:r>
-          </a:p>
-          <a:p>
+              <a:t>لتطبيق </a:t>
+            </a:r>
+            <a:r>
+              <a:rPr lang="ar-EG" sz="3600" dirty="0" err="1" smtClean="0">
+                <a:latin typeface="Ara Hamah Alislam" panose="00000500000000000000" pitchFamily="2" charset="-78"/>
+                <a:cs typeface="Ara Hamah Alislam" panose="00000500000000000000" pitchFamily="2" charset="-78"/>
+              </a:rPr>
+              <a:t>فيشرتكنيك</a:t>
+            </a:r>
             <a:r>
               <a:rPr lang="ar-EG" sz="3600" dirty="0" smtClean="0">
                 <a:latin typeface="Ara Hamah Alislam" panose="00000500000000000000" pitchFamily="2" charset="-78"/>
                 <a:cs typeface="Ara Hamah Alislam" panose="00000500000000000000" pitchFamily="2" charset="-78"/>
               </a:rPr>
-              <a:t> الدخول الى موقع </a:t>
-            </a:r>
-            <a:r>
-              <a:rPr lang="en-US" sz="3600" dirty="0" smtClean="0">
-                <a:latin typeface="Arial" pitchFamily="34" charset="0"/>
-                <a:cs typeface="Arial" pitchFamily="34" charset="0"/>
-              </a:rPr>
-              <a:t>ScratchX</a:t>
-            </a:r>
-            <a:r>
-              <a:rPr lang="he-IL" sz="3600" dirty="0" smtClean="0">
-                <a:latin typeface="Ara Hamah Alislam" panose="00000500000000000000" pitchFamily="2" charset="-78"/>
-              </a:rPr>
               <a:t> </a:t>
-            </a:r>
-            <a:r>
-              <a:rPr lang="ar-EG" sz="3600" dirty="0" smtClean="0">
-                <a:latin typeface="Ara Hamah Alislam" panose="00000500000000000000" pitchFamily="2" charset="-78"/>
-                <a:cs typeface="Ara Hamah Alislam" panose="00000500000000000000" pitchFamily="2" charset="-78"/>
-              </a:rPr>
-              <a:t>للتوسعة لفيشرتكنيك </a:t>
             </a:r>
             <a:endParaRPr lang="he-IL" sz="3600" dirty="0" smtClean="0">
               <a:latin typeface="Ara Hamah Alislam" panose="00000500000000000000" pitchFamily="2" charset="-78"/>
@@ -8242,7 +8246,7 @@
         </p:blipFill>
         <p:spPr bwMode="auto">
           <a:xfrm>
-            <a:off x="3072173" y="4559934"/>
+            <a:off x="3376973" y="4495279"/>
             <a:ext cx="1791878" cy="1866333"/>
           </a:xfrm>
           <a:prstGeom prst="rect">
@@ -8581,7 +8585,7 @@
         </p:spPr>
         <p:txBody>
           <a:bodyPr>
-            <a:normAutofit/>
+            <a:normAutofit fontScale="77500" lnSpcReduction="20000"/>
           </a:bodyPr>
           <a:lstStyle/>
           <a:p>
@@ -8591,20 +8595,20 @@
               </a:spcBef>
             </a:pPr>
             <a:r>
-              <a:rPr lang="ar-EG" sz="3200" dirty="0">
+              <a:rPr lang="ar-EG" sz="4000" dirty="0">
                 <a:latin typeface="Ara Hamah Alislam" panose="00000500000000000000" pitchFamily="2" charset="-78"/>
                 <a:cs typeface="Ara Hamah Alislam" panose="00000500000000000000" pitchFamily="2" charset="-78"/>
               </a:rPr>
               <a:t>سَييروا الروبوت الى الامام </a:t>
             </a:r>
             <a:r>
-              <a:rPr lang="ar-EG" sz="3200" dirty="0" smtClean="0">
+              <a:rPr lang="ar-EG" sz="4000" dirty="0" smtClean="0">
                 <a:latin typeface="Ara Hamah Alislam" panose="00000500000000000000" pitchFamily="2" charset="-78"/>
                 <a:cs typeface="Ara Hamah Alislam" panose="00000500000000000000" pitchFamily="2" charset="-78"/>
               </a:rPr>
               <a:t>وعندما يتم الضغط على مجسات اللمس الاثنين  في مقدمة الروبوت - أوقفوا الروبوت </a:t>
             </a:r>
-            <a:endParaRPr lang="he-IL" sz="3200" dirty="0" smtClean="0">
+            <a:endParaRPr lang="he-IL" sz="4000" dirty="0" smtClean="0">
               <a:latin typeface="Ara Hamah Alislam" panose="00000500000000000000" pitchFamily="2" charset="-78"/>
               <a:cs typeface="David" pitchFamily="34" charset="-79"/>
             </a:endParaRPr>
@@ -8616,20 +8620,20 @@
               </a:spcBef>
             </a:pPr>
             <a:r>
-              <a:rPr lang="ar-EG" sz="3200" dirty="0">
+              <a:rPr lang="ar-EG" sz="4000" dirty="0">
                 <a:latin typeface="Ara Hamah Alislam" panose="00000500000000000000" pitchFamily="2" charset="-78"/>
                 <a:cs typeface="Ara Hamah Alislam" panose="00000500000000000000" pitchFamily="2" charset="-78"/>
               </a:rPr>
               <a:t>سَييروا الروبوت الى الامام وعندما يتم الضغط على مجسات اللمس الاثنين </a:t>
             </a:r>
             <a:r>
-              <a:rPr lang="ar-EG" sz="3200" dirty="0" smtClean="0">
+              <a:rPr lang="ar-EG" sz="4000" dirty="0" smtClean="0">
                 <a:latin typeface="Ara Hamah Alislam" panose="00000500000000000000" pitchFamily="2" charset="-78"/>
                 <a:cs typeface="Ara Hamah Alislam" panose="00000500000000000000" pitchFamily="2" charset="-78"/>
               </a:rPr>
               <a:t>– سييروا الروبوت الى الوراء لمدة ثانيتين </a:t>
             </a:r>
-            <a:endParaRPr lang="he-IL" sz="3200" dirty="0" smtClean="0">
+            <a:endParaRPr lang="he-IL" sz="4000" dirty="0" smtClean="0">
               <a:latin typeface="Ara Hamah Alislam" panose="00000500000000000000" pitchFamily="2" charset="-78"/>
               <a:cs typeface="David" pitchFamily="34" charset="-79"/>
             </a:endParaRPr>
@@ -8641,48 +8645,48 @@
               </a:spcBef>
             </a:pPr>
             <a:r>
-              <a:rPr lang="ar-EG" sz="3200" dirty="0">
+              <a:rPr lang="ar-EG" sz="4000" dirty="0">
                 <a:latin typeface="Ara Hamah Alislam" panose="00000500000000000000" pitchFamily="2" charset="-78"/>
                 <a:cs typeface="Ara Hamah Alislam" panose="00000500000000000000" pitchFamily="2" charset="-78"/>
               </a:rPr>
               <a:t>سَييروا الروبوت الى الامام وعندما يتم الضغط على مجسات اللمس </a:t>
             </a:r>
             <a:r>
-              <a:rPr lang="ar-EG" sz="3200" dirty="0" smtClean="0">
+              <a:rPr lang="ar-EG" sz="4000" dirty="0" smtClean="0">
                 <a:latin typeface="Ara Hamah Alislam" panose="00000500000000000000" pitchFamily="2" charset="-78"/>
                 <a:cs typeface="Ara Hamah Alislam" panose="00000500000000000000" pitchFamily="2" charset="-78"/>
               </a:rPr>
               <a:t>الاثنين</a:t>
             </a:r>
             <a:r>
-              <a:rPr lang="he-IL" sz="3200" dirty="0" smtClean="0">
+              <a:rPr lang="he-IL" sz="4000" dirty="0" smtClean="0">
                 <a:latin typeface="Ara Hamah Alislam" panose="00000500000000000000" pitchFamily="2" charset="-78"/>
                 <a:cs typeface="David" pitchFamily="34" charset="-79"/>
               </a:rPr>
               <a:t> -</a:t>
             </a:r>
             <a:r>
-              <a:rPr lang="ar-EG" sz="3200" dirty="0" smtClean="0">
+              <a:rPr lang="ar-EG" sz="4000" dirty="0" smtClean="0">
                 <a:latin typeface="Ara Hamah Alislam" panose="00000500000000000000" pitchFamily="2" charset="-78"/>
                 <a:cs typeface="Ara Hamah Alislam" panose="00000500000000000000" pitchFamily="2" charset="-78"/>
               </a:rPr>
               <a:t> </a:t>
             </a:r>
             <a:r>
-              <a:rPr lang="ar-EG" sz="3200" dirty="0">
+              <a:rPr lang="ar-EG" sz="4000" dirty="0">
                 <a:latin typeface="Ara Hamah Alislam" panose="00000500000000000000" pitchFamily="2" charset="-78"/>
                 <a:cs typeface="Ara Hamah Alislam" panose="00000500000000000000" pitchFamily="2" charset="-78"/>
               </a:rPr>
               <a:t>سييروا الروبوت الى الوراء لمدة </a:t>
             </a:r>
             <a:r>
-              <a:rPr lang="ar-EG" sz="3200" dirty="0" smtClean="0">
+              <a:rPr lang="ar-EG" sz="4000" dirty="0" smtClean="0">
                 <a:latin typeface="Ara Hamah Alislam" panose="00000500000000000000" pitchFamily="2" charset="-78"/>
                 <a:cs typeface="Ara Hamah Alislam" panose="00000500000000000000" pitchFamily="2" charset="-78"/>
               </a:rPr>
               <a:t>ثانيتين, ثم سييروه الى جهة اليسار بمسار قوسي لمدة 4 ثوان  </a:t>
             </a:r>
-            <a:endParaRPr lang="he-IL" sz="3200" dirty="0" smtClean="0">
+            <a:endParaRPr lang="he-IL" sz="4000" dirty="0" smtClean="0">
               <a:latin typeface="Ara Hamah Alislam" panose="00000500000000000000" pitchFamily="2" charset="-78"/>
               <a:cs typeface="David" pitchFamily="34" charset="-79"/>
             </a:endParaRPr>
@@ -8694,13 +8698,13 @@
               </a:spcBef>
             </a:pPr>
             <a:r>
-              <a:rPr lang="ar-EG" sz="3200" dirty="0" smtClean="0">
+              <a:rPr lang="ar-EG" sz="4000" dirty="0" smtClean="0">
                 <a:latin typeface="Ara Hamah Alislam" panose="00000500000000000000" pitchFamily="2" charset="-78"/>
                 <a:cs typeface="Ara Hamah Alislam" panose="00000500000000000000" pitchFamily="2" charset="-78"/>
               </a:rPr>
               <a:t>نقاش</a:t>
             </a:r>
-            <a:endParaRPr lang="he-IL" sz="3200" dirty="0" smtClean="0">
+            <a:endParaRPr lang="he-IL" sz="4000" dirty="0" smtClean="0">
               <a:latin typeface="Ara Hamah Alislam" panose="00000500000000000000" pitchFamily="2" charset="-78"/>
               <a:cs typeface="David" pitchFamily="34" charset="-79"/>
             </a:endParaRPr>
@@ -8712,20 +8716,39 @@
               </a:spcBef>
             </a:pPr>
             <a:r>
-              <a:rPr lang="ar-EG" sz="3200" dirty="0" smtClean="0">
+              <a:rPr lang="ar-EG" sz="3800" dirty="0" smtClean="0">
                 <a:latin typeface="Ara Hamah Alislam" panose="00000500000000000000" pitchFamily="2" charset="-78"/>
                 <a:cs typeface="Ara Hamah Alislam" panose="00000500000000000000" pitchFamily="2" charset="-78"/>
               </a:rPr>
               <a:t>هل ستنتهي البرامج </a:t>
             </a:r>
             <a:r>
-              <a:rPr lang="he-IL" sz="3200" dirty="0" smtClean="0">
+              <a:rPr lang="he-IL" sz="3800" dirty="0" smtClean="0">
                 <a:latin typeface="Ara Hamah Alislam" panose="00000500000000000000" pitchFamily="2" charset="-78"/>
                 <a:cs typeface="David" pitchFamily="34" charset="-79"/>
               </a:rPr>
               <a:t>?</a:t>
             </a:r>
-            <a:endParaRPr lang="he-IL" sz="3200" dirty="0" smtClean="0">
+          </a:p>
+          <a:p>
+            <a:pPr marL="457200" indent="-457200">
+              <a:spcBef>
+                <a:spcPct val="20000"/>
+              </a:spcBef>
+            </a:pPr>
+            <a:endParaRPr lang="he-IL" sz="4000" dirty="0" smtClean="0">
+              <a:latin typeface="David" pitchFamily="34" charset="-79"/>
+              <a:cs typeface="David" pitchFamily="34" charset="-79"/>
+            </a:endParaRPr>
+          </a:p>
+          <a:p>
+            <a:pPr marL="457200" indent="-457200">
+              <a:spcBef>
+                <a:spcPct val="20000"/>
+              </a:spcBef>
+              <a:buNone/>
+            </a:pPr>
+            <a:endParaRPr lang="he-IL" sz="4000" dirty="0" smtClean="0">
               <a:latin typeface="David" pitchFamily="34" charset="-79"/>
               <a:cs typeface="David" pitchFamily="34" charset="-79"/>
             </a:endParaRPr>
